--- a/Tiago Vansan/HypeCycle.pptx
+++ b/Tiago Vansan/HypeCycle.pptx
@@ -12,8 +12,8 @@
     <p:sldId id="267" r:id="rId6"/>
     <p:sldId id="268" r:id="rId7"/>
     <p:sldId id="256" r:id="rId8"/>
-    <p:sldId id="257" r:id="rId9"/>
-    <p:sldId id="265" r:id="rId10"/>
+    <p:sldId id="265" r:id="rId9"/>
+    <p:sldId id="257" r:id="rId10"/>
     <p:sldId id="258" r:id="rId11"/>
     <p:sldId id="259" r:id="rId12"/>
     <p:sldId id="260" r:id="rId13"/>
@@ -299,7 +299,8 @@
           <a:p>
             <a:fld id="{C073C20C-1F58-5A41-B866-FDDD31C63733}" type="datetimeFigureOut">
               <a:rPr lang="en-US" smtClean="0"/>
-              <a:t>23/02/18</a:t>
+              <a:pPr/>
+              <a:t>2/23/2018</a:t>
             </a:fld>
             <a:endParaRPr lang="pt-BR"/>
           </a:p>
@@ -341,7 +342,8 @@
           <a:p>
             <a:fld id="{AB2DEF5C-04F4-DC47-9AEB-73A4D020D540}" type="slidenum">
               <a:rPr lang="pt-BR" smtClean="0"/>
-              <a:t>‹#›</a:t>
+              <a:pPr/>
+              <a:t>‹nº›</a:t>
             </a:fld>
             <a:endParaRPr lang="pt-BR"/>
           </a:p>
@@ -350,7 +352,7 @@
     </p:spTree>
     <p:extLst>
       <p:ext uri="{BB962C8B-B14F-4D97-AF65-F5344CB8AC3E}">
-        <p14:creationId xmlns:p14="http://schemas.microsoft.com/office/powerpoint/2010/main" val="1368697326"/>
+        <p14:creationId xmlns:p14="http://schemas.microsoft.com/office/powerpoint/2010/main" xmlns="" val="1368697326"/>
       </p:ext>
     </p:extLst>
   </p:cSld>
@@ -469,7 +471,8 @@
           <a:p>
             <a:fld id="{C073C20C-1F58-5A41-B866-FDDD31C63733}" type="datetimeFigureOut">
               <a:rPr lang="en-US" smtClean="0"/>
-              <a:t>23/02/18</a:t>
+              <a:pPr/>
+              <a:t>2/23/2018</a:t>
             </a:fld>
             <a:endParaRPr lang="pt-BR"/>
           </a:p>
@@ -511,7 +514,8 @@
           <a:p>
             <a:fld id="{AB2DEF5C-04F4-DC47-9AEB-73A4D020D540}" type="slidenum">
               <a:rPr lang="pt-BR" smtClean="0"/>
-              <a:t>‹#›</a:t>
+              <a:pPr/>
+              <a:t>‹nº›</a:t>
             </a:fld>
             <a:endParaRPr lang="pt-BR"/>
           </a:p>
@@ -520,7 +524,7 @@
     </p:spTree>
     <p:extLst>
       <p:ext uri="{BB962C8B-B14F-4D97-AF65-F5344CB8AC3E}">
-        <p14:creationId xmlns:p14="http://schemas.microsoft.com/office/powerpoint/2010/main" val="3516340907"/>
+        <p14:creationId xmlns:p14="http://schemas.microsoft.com/office/powerpoint/2010/main" xmlns="" val="3516340907"/>
       </p:ext>
     </p:extLst>
   </p:cSld>
@@ -649,7 +653,8 @@
           <a:p>
             <a:fld id="{C073C20C-1F58-5A41-B866-FDDD31C63733}" type="datetimeFigureOut">
               <a:rPr lang="en-US" smtClean="0"/>
-              <a:t>23/02/18</a:t>
+              <a:pPr/>
+              <a:t>2/23/2018</a:t>
             </a:fld>
             <a:endParaRPr lang="pt-BR"/>
           </a:p>
@@ -691,7 +696,8 @@
           <a:p>
             <a:fld id="{AB2DEF5C-04F4-DC47-9AEB-73A4D020D540}" type="slidenum">
               <a:rPr lang="pt-BR" smtClean="0"/>
-              <a:t>‹#›</a:t>
+              <a:pPr/>
+              <a:t>‹nº›</a:t>
             </a:fld>
             <a:endParaRPr lang="pt-BR"/>
           </a:p>
@@ -700,7 +706,7 @@
     </p:spTree>
     <p:extLst>
       <p:ext uri="{BB962C8B-B14F-4D97-AF65-F5344CB8AC3E}">
-        <p14:creationId xmlns:p14="http://schemas.microsoft.com/office/powerpoint/2010/main" val="3859921329"/>
+        <p14:creationId xmlns:p14="http://schemas.microsoft.com/office/powerpoint/2010/main" xmlns="" val="3859921329"/>
       </p:ext>
     </p:extLst>
   </p:cSld>
@@ -819,7 +825,8 @@
           <a:p>
             <a:fld id="{C073C20C-1F58-5A41-B866-FDDD31C63733}" type="datetimeFigureOut">
               <a:rPr lang="en-US" smtClean="0"/>
-              <a:t>23/02/18</a:t>
+              <a:pPr/>
+              <a:t>2/23/2018</a:t>
             </a:fld>
             <a:endParaRPr lang="pt-BR"/>
           </a:p>
@@ -861,7 +868,8 @@
           <a:p>
             <a:fld id="{AB2DEF5C-04F4-DC47-9AEB-73A4D020D540}" type="slidenum">
               <a:rPr lang="pt-BR" smtClean="0"/>
-              <a:t>‹#›</a:t>
+              <a:pPr/>
+              <a:t>‹nº›</a:t>
             </a:fld>
             <a:endParaRPr lang="pt-BR"/>
           </a:p>
@@ -870,7 +878,7 @@
     </p:spTree>
     <p:extLst>
       <p:ext uri="{BB962C8B-B14F-4D97-AF65-F5344CB8AC3E}">
-        <p14:creationId xmlns:p14="http://schemas.microsoft.com/office/powerpoint/2010/main" val="1239089187"/>
+        <p14:creationId xmlns:p14="http://schemas.microsoft.com/office/powerpoint/2010/main" xmlns="" val="1239089187"/>
       </p:ext>
     </p:extLst>
   </p:cSld>
@@ -1065,7 +1073,8 @@
           <a:p>
             <a:fld id="{C073C20C-1F58-5A41-B866-FDDD31C63733}" type="datetimeFigureOut">
               <a:rPr lang="en-US" smtClean="0"/>
-              <a:t>23/02/18</a:t>
+              <a:pPr/>
+              <a:t>2/23/2018</a:t>
             </a:fld>
             <a:endParaRPr lang="pt-BR"/>
           </a:p>
@@ -1107,7 +1116,8 @@
           <a:p>
             <a:fld id="{AB2DEF5C-04F4-DC47-9AEB-73A4D020D540}" type="slidenum">
               <a:rPr lang="pt-BR" smtClean="0"/>
-              <a:t>‹#›</a:t>
+              <a:pPr/>
+              <a:t>‹nº›</a:t>
             </a:fld>
             <a:endParaRPr lang="pt-BR"/>
           </a:p>
@@ -1116,7 +1126,7 @@
     </p:spTree>
     <p:extLst>
       <p:ext uri="{BB962C8B-B14F-4D97-AF65-F5344CB8AC3E}">
-        <p14:creationId xmlns:p14="http://schemas.microsoft.com/office/powerpoint/2010/main" val="3860566516"/>
+        <p14:creationId xmlns:p14="http://schemas.microsoft.com/office/powerpoint/2010/main" xmlns="" val="3860566516"/>
       </p:ext>
     </p:extLst>
   </p:cSld>
@@ -1353,7 +1363,8 @@
           <a:p>
             <a:fld id="{C073C20C-1F58-5A41-B866-FDDD31C63733}" type="datetimeFigureOut">
               <a:rPr lang="en-US" smtClean="0"/>
-              <a:t>23/02/18</a:t>
+              <a:pPr/>
+              <a:t>2/23/2018</a:t>
             </a:fld>
             <a:endParaRPr lang="pt-BR"/>
           </a:p>
@@ -1395,7 +1406,8 @@
           <a:p>
             <a:fld id="{AB2DEF5C-04F4-DC47-9AEB-73A4D020D540}" type="slidenum">
               <a:rPr lang="pt-BR" smtClean="0"/>
-              <a:t>‹#›</a:t>
+              <a:pPr/>
+              <a:t>‹nº›</a:t>
             </a:fld>
             <a:endParaRPr lang="pt-BR"/>
           </a:p>
@@ -1404,7 +1416,7 @@
     </p:spTree>
     <p:extLst>
       <p:ext uri="{BB962C8B-B14F-4D97-AF65-F5344CB8AC3E}">
-        <p14:creationId xmlns:p14="http://schemas.microsoft.com/office/powerpoint/2010/main" val="1713243262"/>
+        <p14:creationId xmlns:p14="http://schemas.microsoft.com/office/powerpoint/2010/main" xmlns="" val="1713243262"/>
       </p:ext>
     </p:extLst>
   </p:cSld>
@@ -1775,7 +1787,8 @@
           <a:p>
             <a:fld id="{C073C20C-1F58-5A41-B866-FDDD31C63733}" type="datetimeFigureOut">
               <a:rPr lang="en-US" smtClean="0"/>
-              <a:t>23/02/18</a:t>
+              <a:pPr/>
+              <a:t>2/23/2018</a:t>
             </a:fld>
             <a:endParaRPr lang="pt-BR"/>
           </a:p>
@@ -1817,7 +1830,8 @@
           <a:p>
             <a:fld id="{AB2DEF5C-04F4-DC47-9AEB-73A4D020D540}" type="slidenum">
               <a:rPr lang="pt-BR" smtClean="0"/>
-              <a:t>‹#›</a:t>
+              <a:pPr/>
+              <a:t>‹nº›</a:t>
             </a:fld>
             <a:endParaRPr lang="pt-BR"/>
           </a:p>
@@ -1826,7 +1840,7 @@
     </p:spTree>
     <p:extLst>
       <p:ext uri="{BB962C8B-B14F-4D97-AF65-F5344CB8AC3E}">
-        <p14:creationId xmlns:p14="http://schemas.microsoft.com/office/powerpoint/2010/main" val="3898602861"/>
+        <p14:creationId xmlns:p14="http://schemas.microsoft.com/office/powerpoint/2010/main" xmlns="" val="3898602861"/>
       </p:ext>
     </p:extLst>
   </p:cSld>
@@ -1893,7 +1907,8 @@
           <a:p>
             <a:fld id="{C073C20C-1F58-5A41-B866-FDDD31C63733}" type="datetimeFigureOut">
               <a:rPr lang="en-US" smtClean="0"/>
-              <a:t>23/02/18</a:t>
+              <a:pPr/>
+              <a:t>2/23/2018</a:t>
             </a:fld>
             <a:endParaRPr lang="pt-BR"/>
           </a:p>
@@ -1935,7 +1950,8 @@
           <a:p>
             <a:fld id="{AB2DEF5C-04F4-DC47-9AEB-73A4D020D540}" type="slidenum">
               <a:rPr lang="pt-BR" smtClean="0"/>
-              <a:t>‹#›</a:t>
+              <a:pPr/>
+              <a:t>‹nº›</a:t>
             </a:fld>
             <a:endParaRPr lang="pt-BR"/>
           </a:p>
@@ -1944,7 +1960,7 @@
     </p:spTree>
     <p:extLst>
       <p:ext uri="{BB962C8B-B14F-4D97-AF65-F5344CB8AC3E}">
-        <p14:creationId xmlns:p14="http://schemas.microsoft.com/office/powerpoint/2010/main" val="3331112285"/>
+        <p14:creationId xmlns:p14="http://schemas.microsoft.com/office/powerpoint/2010/main" xmlns="" val="3331112285"/>
       </p:ext>
     </p:extLst>
   </p:cSld>
@@ -1988,7 +2004,8 @@
           <a:p>
             <a:fld id="{C073C20C-1F58-5A41-B866-FDDD31C63733}" type="datetimeFigureOut">
               <a:rPr lang="en-US" smtClean="0"/>
-              <a:t>23/02/18</a:t>
+              <a:pPr/>
+              <a:t>2/23/2018</a:t>
             </a:fld>
             <a:endParaRPr lang="pt-BR"/>
           </a:p>
@@ -2030,7 +2047,8 @@
           <a:p>
             <a:fld id="{AB2DEF5C-04F4-DC47-9AEB-73A4D020D540}" type="slidenum">
               <a:rPr lang="pt-BR" smtClean="0"/>
-              <a:t>‹#›</a:t>
+              <a:pPr/>
+              <a:t>‹nº›</a:t>
             </a:fld>
             <a:endParaRPr lang="pt-BR"/>
           </a:p>
@@ -2039,7 +2057,7 @@
     </p:spTree>
     <p:extLst>
       <p:ext uri="{BB962C8B-B14F-4D97-AF65-F5344CB8AC3E}">
-        <p14:creationId xmlns:p14="http://schemas.microsoft.com/office/powerpoint/2010/main" val="746273311"/>
+        <p14:creationId xmlns:p14="http://schemas.microsoft.com/office/powerpoint/2010/main" xmlns="" val="746273311"/>
       </p:ext>
     </p:extLst>
   </p:cSld>
@@ -2265,7 +2283,8 @@
           <a:p>
             <a:fld id="{C073C20C-1F58-5A41-B866-FDDD31C63733}" type="datetimeFigureOut">
               <a:rPr lang="en-US" smtClean="0"/>
-              <a:t>23/02/18</a:t>
+              <a:pPr/>
+              <a:t>2/23/2018</a:t>
             </a:fld>
             <a:endParaRPr lang="pt-BR"/>
           </a:p>
@@ -2307,7 +2326,8 @@
           <a:p>
             <a:fld id="{AB2DEF5C-04F4-DC47-9AEB-73A4D020D540}" type="slidenum">
               <a:rPr lang="pt-BR" smtClean="0"/>
-              <a:t>‹#›</a:t>
+              <a:pPr/>
+              <a:t>‹nº›</a:t>
             </a:fld>
             <a:endParaRPr lang="pt-BR"/>
           </a:p>
@@ -2316,7 +2336,7 @@
     </p:spTree>
     <p:extLst>
       <p:ext uri="{BB962C8B-B14F-4D97-AF65-F5344CB8AC3E}">
-        <p14:creationId xmlns:p14="http://schemas.microsoft.com/office/powerpoint/2010/main" val="4218652499"/>
+        <p14:creationId xmlns:p14="http://schemas.microsoft.com/office/powerpoint/2010/main" xmlns="" val="4218652499"/>
       </p:ext>
     </p:extLst>
   </p:cSld>
@@ -2518,7 +2538,8 @@
           <a:p>
             <a:fld id="{C073C20C-1F58-5A41-B866-FDDD31C63733}" type="datetimeFigureOut">
               <a:rPr lang="en-US" smtClean="0"/>
-              <a:t>23/02/18</a:t>
+              <a:pPr/>
+              <a:t>2/23/2018</a:t>
             </a:fld>
             <a:endParaRPr lang="pt-BR"/>
           </a:p>
@@ -2560,7 +2581,8 @@
           <a:p>
             <a:fld id="{AB2DEF5C-04F4-DC47-9AEB-73A4D020D540}" type="slidenum">
               <a:rPr lang="pt-BR" smtClean="0"/>
-              <a:t>‹#›</a:t>
+              <a:pPr/>
+              <a:t>‹nº›</a:t>
             </a:fld>
             <a:endParaRPr lang="pt-BR"/>
           </a:p>
@@ -2569,7 +2591,7 @@
     </p:spTree>
     <p:extLst>
       <p:ext uri="{BB962C8B-B14F-4D97-AF65-F5344CB8AC3E}">
-        <p14:creationId xmlns:p14="http://schemas.microsoft.com/office/powerpoint/2010/main" val="2815075141"/>
+        <p14:creationId xmlns:p14="http://schemas.microsoft.com/office/powerpoint/2010/main" xmlns="" val="2815075141"/>
       </p:ext>
     </p:extLst>
   </p:cSld>
@@ -2731,7 +2753,8 @@
           <a:p>
             <a:fld id="{C073C20C-1F58-5A41-B866-FDDD31C63733}" type="datetimeFigureOut">
               <a:rPr lang="en-US" smtClean="0"/>
-              <a:t>23/02/18</a:t>
+              <a:pPr/>
+              <a:t>2/23/2018</a:t>
             </a:fld>
             <a:endParaRPr lang="pt-BR"/>
           </a:p>
@@ -2809,7 +2832,8 @@
           <a:p>
             <a:fld id="{AB2DEF5C-04F4-DC47-9AEB-73A4D020D540}" type="slidenum">
               <a:rPr lang="pt-BR" smtClean="0"/>
-              <a:t>‹#›</a:t>
+              <a:pPr/>
+              <a:t>‹nº›</a:t>
             </a:fld>
             <a:endParaRPr lang="pt-BR"/>
           </a:p>
@@ -2818,7 +2842,7 @@
     </p:spTree>
     <p:extLst>
       <p:ext uri="{BB962C8B-B14F-4D97-AF65-F5344CB8AC3E}">
-        <p14:creationId xmlns:p14="http://schemas.microsoft.com/office/powerpoint/2010/main" val="2074110534"/>
+        <p14:creationId xmlns:p14="http://schemas.microsoft.com/office/powerpoint/2010/main" xmlns="" val="2074110534"/>
       </p:ext>
     </p:extLst>
   </p:cSld>
@@ -3135,11 +3159,19 @@
             </a:r>
             <a:r>
               <a:rPr lang="pt-BR" dirty="0" smtClean="0"/>
-              <a:t> e Magic </a:t>
+              <a:t> e </a:t>
             </a:r>
             <a:r>
               <a:rPr lang="pt-BR" dirty="0" err="1" smtClean="0"/>
-              <a:t>Quandrant</a:t>
+              <a:t>Magic</a:t>
+            </a:r>
+            <a:r>
+              <a:rPr lang="pt-BR" dirty="0" smtClean="0"/>
+              <a:t> </a:t>
+            </a:r>
+            <a:r>
+              <a:rPr lang="pt-BR" dirty="0" err="1" smtClean="0"/>
+              <a:t>Quadrant</a:t>
             </a:r>
             <a:endParaRPr lang="pt-BR" dirty="0"/>
           </a:p>
@@ -3167,13 +3199,20 @@
     </p:spTree>
     <p:extLst>
       <p:ext uri="{BB962C8B-B14F-4D97-AF65-F5344CB8AC3E}">
-        <p14:creationId xmlns:p14="http://schemas.microsoft.com/office/powerpoint/2010/main" val="1555062231"/>
+        <p14:creationId xmlns:p14="http://schemas.microsoft.com/office/powerpoint/2010/main" xmlns="" val="1555062231"/>
       </p:ext>
     </p:extLst>
   </p:cSld>
   <p:clrMapOvr>
     <a:masterClrMapping/>
   </p:clrMapOvr>
+  <p:timing>
+    <p:tnLst>
+      <p:par>
+        <p:cTn id="1" dur="indefinite" restart="never" nodeType="tmRoot"/>
+      </p:par>
+    </p:tnLst>
+  </p:timing>
 </p:sld>
 </file>
 
@@ -3295,7 +3334,7 @@
           <a:blip r:embed="rId2">
             <a:extLst>
               <a:ext uri="{28A0092B-C50C-407E-A947-70E740481C1C}">
-                <a14:useLocalDpi xmlns:a14="http://schemas.microsoft.com/office/drawing/2010/main" val="0"/>
+                <a14:useLocalDpi xmlns:a14="http://schemas.microsoft.com/office/drawing/2010/main" xmlns="" val="0"/>
               </a:ext>
             </a:extLst>
           </a:blip>
@@ -3316,13 +3355,20 @@
     </p:spTree>
     <p:extLst>
       <p:ext uri="{BB962C8B-B14F-4D97-AF65-F5344CB8AC3E}">
-        <p14:creationId xmlns:p14="http://schemas.microsoft.com/office/powerpoint/2010/main" val="2356577221"/>
+        <p14:creationId xmlns:p14="http://schemas.microsoft.com/office/powerpoint/2010/main" xmlns="" val="2356577221"/>
       </p:ext>
     </p:extLst>
   </p:cSld>
   <p:clrMapOvr>
     <a:masterClrMapping/>
   </p:clrMapOvr>
+  <p:timing>
+    <p:tnLst>
+      <p:par>
+        <p:cTn id="1" dur="indefinite" restart="never" nodeType="tmRoot"/>
+      </p:par>
+    </p:tnLst>
+  </p:timing>
 </p:sld>
 </file>
 
@@ -3434,13 +3480,20 @@
     </p:spTree>
     <p:extLst>
       <p:ext uri="{BB962C8B-B14F-4D97-AF65-F5344CB8AC3E}">
-        <p14:creationId xmlns:p14="http://schemas.microsoft.com/office/powerpoint/2010/main" val="2564325940"/>
+        <p14:creationId xmlns:p14="http://schemas.microsoft.com/office/powerpoint/2010/main" xmlns="" val="2564325940"/>
       </p:ext>
     </p:extLst>
   </p:cSld>
   <p:clrMapOvr>
     <a:masterClrMapping/>
   </p:clrMapOvr>
+  <p:timing>
+    <p:tnLst>
+      <p:par>
+        <p:cTn id="1" dur="indefinite" restart="never" nodeType="tmRoot"/>
+      </p:par>
+    </p:tnLst>
+  </p:timing>
 </p:sld>
 </file>
 
@@ -3514,13 +3567,20 @@
     </p:spTree>
     <p:extLst>
       <p:ext uri="{BB962C8B-B14F-4D97-AF65-F5344CB8AC3E}">
-        <p14:creationId xmlns:p14="http://schemas.microsoft.com/office/powerpoint/2010/main" val="472922091"/>
+        <p14:creationId xmlns:p14="http://schemas.microsoft.com/office/powerpoint/2010/main" xmlns="" val="472922091"/>
       </p:ext>
     </p:extLst>
   </p:cSld>
   <p:clrMapOvr>
     <a:masterClrMapping/>
   </p:clrMapOvr>
+  <p:timing>
+    <p:tnLst>
+      <p:par>
+        <p:cTn id="1" dur="indefinite" restart="never" nodeType="tmRoot"/>
+      </p:par>
+    </p:tnLst>
+  </p:timing>
 </p:sld>
 </file>
 
@@ -3651,13 +3711,20 @@
     </p:spTree>
     <p:extLst>
       <p:ext uri="{BB962C8B-B14F-4D97-AF65-F5344CB8AC3E}">
-        <p14:creationId xmlns:p14="http://schemas.microsoft.com/office/powerpoint/2010/main" val="1836921796"/>
+        <p14:creationId xmlns:p14="http://schemas.microsoft.com/office/powerpoint/2010/main" xmlns="" val="1836921796"/>
       </p:ext>
     </p:extLst>
   </p:cSld>
   <p:clrMapOvr>
     <a:masterClrMapping/>
   </p:clrMapOvr>
+  <p:timing>
+    <p:tnLst>
+      <p:par>
+        <p:cTn id="1" dur="indefinite" restart="never" nodeType="tmRoot"/>
+      </p:par>
+    </p:tnLst>
+  </p:timing>
 </p:sld>
 </file>
 
@@ -3759,21 +3826,13 @@
           <a:p>
             <a:r>
               <a:rPr lang="pt-BR" sz="2800" dirty="0" smtClean="0"/>
-              <a:t>Mas e se adotar a tecnologia </a:t>
-            </a:r>
+              <a:t>Mas e se adotar a tecnologia muito cedo, e perder o investimento feito?</a:t>
+            </a:r>
+          </a:p>
+          <a:p>
             <a:r>
               <a:rPr lang="pt-BR" sz="2800" dirty="0" smtClean="0"/>
-              <a:t>muito cedo, e perder o investimento feito?</a:t>
-            </a:r>
-          </a:p>
-          <a:p>
-            <a:r>
-              <a:rPr lang="pt-BR" sz="2800" dirty="0" smtClean="0"/>
-              <a:t>Ou se voc</a:t>
-            </a:r>
-            <a:r>
-              <a:rPr lang="pt-BR" sz="2800" dirty="0" smtClean="0"/>
-              <a:t>ê esperar para adotar e perder o timing de acertar na ideia?</a:t>
+              <a:t>Ou se você esperar para adotar e perder o timing de acertar na ideia?</a:t>
             </a:r>
           </a:p>
           <a:p>
@@ -3781,7 +3840,6 @@
               <a:rPr lang="pt-BR" sz="2800" dirty="0" smtClean="0"/>
               <a:t>Uma tecnologia nova, uma técnica de gerenciamento ou modelo de negócio.</a:t>
             </a:r>
-            <a:endParaRPr lang="pt-BR" sz="2800" dirty="0" smtClean="0"/>
           </a:p>
           <a:p>
             <a:endParaRPr lang="pt-BR" sz="2800" dirty="0"/>
@@ -3791,13 +3849,20 @@
     </p:spTree>
     <p:extLst>
       <p:ext uri="{BB962C8B-B14F-4D97-AF65-F5344CB8AC3E}">
-        <p14:creationId xmlns:p14="http://schemas.microsoft.com/office/powerpoint/2010/main" val="4289423497"/>
+        <p14:creationId xmlns:p14="http://schemas.microsoft.com/office/powerpoint/2010/main" xmlns="" val="4289423497"/>
       </p:ext>
     </p:extLst>
   </p:cSld>
   <p:clrMapOvr>
     <a:masterClrMapping/>
   </p:clrMapOvr>
+  <p:timing>
+    <p:tnLst>
+      <p:par>
+        <p:cTn id="1" dur="indefinite" restart="never" nodeType="tmRoot"/>
+      </p:par>
+    </p:tnLst>
+  </p:timing>
 </p:sld>
 </file>
 
@@ -3894,11 +3959,7 @@
             <a:pPr algn="just"/>
             <a:r>
               <a:rPr lang="pt-BR" sz="2800" dirty="0" smtClean="0"/>
-              <a:t>Ajuda as pessoas a entender como uma tecnologia ou outra inovaç</a:t>
-            </a:r>
-            <a:r>
-              <a:rPr lang="pt-BR" sz="2800" dirty="0" smtClean="0"/>
-              <a:t>ão progride dentro de seu ciclo de vida (</a:t>
+              <a:t>Ajuda as pessoas a entender como uma tecnologia ou outra inovação progride dentro de seu ciclo de vida (</a:t>
             </a:r>
             <a:r>
               <a:rPr lang="pt-BR" sz="2800" dirty="0" err="1" smtClean="0"/>
@@ -3936,11 +3997,7 @@
             <a:pPr lvl="1" algn="just"/>
             <a:r>
               <a:rPr lang="pt-BR" sz="2000" dirty="0" smtClean="0"/>
-              <a:t>Ajuda a entender a repentina inundação de entusiasmo que vêm com cada ideia de inovação. Para que ao invés da empresa </a:t>
-            </a:r>
-            <a:r>
-              <a:rPr lang="pt-BR" sz="2000" dirty="0" smtClean="0"/>
-              <a:t>seguir o fluxo das ideias “</a:t>
+              <a:t>Ajuda a entender a repentina inundação de entusiasmo que vêm com cada ideia de inovação. Para que ao invés da empresa seguir o fluxo das ideias “</a:t>
             </a:r>
             <a:r>
               <a:rPr lang="pt-BR" sz="2000" dirty="0" err="1" smtClean="0"/>
@@ -3966,20 +4023,26 @@
               <a:rPr lang="pt-BR" sz="2000" dirty="0" smtClean="0"/>
               <a:t>).</a:t>
             </a:r>
-            <a:endParaRPr lang="pt-BR" sz="2000" dirty="0" smtClean="0"/>
           </a:p>
         </p:txBody>
       </p:sp>
     </p:spTree>
     <p:extLst>
       <p:ext uri="{BB962C8B-B14F-4D97-AF65-F5344CB8AC3E}">
-        <p14:creationId xmlns:p14="http://schemas.microsoft.com/office/powerpoint/2010/main" val="3159729366"/>
+        <p14:creationId xmlns:p14="http://schemas.microsoft.com/office/powerpoint/2010/main" xmlns="" val="3159729366"/>
       </p:ext>
     </p:extLst>
   </p:cSld>
   <p:clrMapOvr>
     <a:masterClrMapping/>
   </p:clrMapOvr>
+  <p:timing>
+    <p:tnLst>
+      <p:par>
+        <p:cTn id="1" dur="indefinite" restart="never" nodeType="tmRoot"/>
+      </p:par>
+    </p:tnLst>
+  </p:timing>
 </p:sld>
 </file>
 
@@ -4127,13 +4190,20 @@
     </p:spTree>
     <p:extLst>
       <p:ext uri="{BB962C8B-B14F-4D97-AF65-F5344CB8AC3E}">
-        <p14:creationId xmlns:p14="http://schemas.microsoft.com/office/powerpoint/2010/main" val="4286294429"/>
+        <p14:creationId xmlns:p14="http://schemas.microsoft.com/office/powerpoint/2010/main" xmlns="" val="4286294429"/>
       </p:ext>
     </p:extLst>
   </p:cSld>
   <p:clrMapOvr>
     <a:masterClrMapping/>
   </p:clrMapOvr>
+  <p:timing>
+    <p:tnLst>
+      <p:par>
+        <p:cTn id="1" dur="indefinite" restart="never" nodeType="tmRoot"/>
+      </p:par>
+    </p:tnLst>
+  </p:timing>
 </p:sld>
 </file>
 
@@ -4218,11 +4288,7 @@
             <a:pPr algn="just"/>
             <a:r>
               <a:rPr lang="pt-BR" sz="2400" dirty="0" smtClean="0"/>
-              <a:t>Então vem o pico das expectativas infladas </a:t>
-            </a:r>
-            <a:r>
-              <a:rPr lang="pt-BR" sz="2400" dirty="0" smtClean="0"/>
-              <a:t>(</a:t>
+              <a:t>Então vem o pico das expectativas infladas (</a:t>
             </a:r>
             <a:r>
               <a:rPr lang="pt-BR" sz="2400" dirty="0" err="1" smtClean="0"/>
@@ -4269,13 +4335,20 @@
     </p:spTree>
     <p:extLst>
       <p:ext uri="{BB962C8B-B14F-4D97-AF65-F5344CB8AC3E}">
-        <p14:creationId xmlns:p14="http://schemas.microsoft.com/office/powerpoint/2010/main" val="824590286"/>
+        <p14:creationId xmlns:p14="http://schemas.microsoft.com/office/powerpoint/2010/main" xmlns="" val="824590286"/>
       </p:ext>
     </p:extLst>
   </p:cSld>
   <p:clrMapOvr>
     <a:masterClrMapping/>
   </p:clrMapOvr>
+  <p:timing>
+    <p:tnLst>
+      <p:par>
+        <p:cTn id="1" dur="indefinite" restart="never" nodeType="tmRoot"/>
+      </p:par>
+    </p:tnLst>
+  </p:timing>
 </p:sld>
 </file>
 
@@ -4414,7 +4487,7 @@
           <a:blip r:embed="rId2">
             <a:extLst>
               <a:ext uri="{28A0092B-C50C-407E-A947-70E740481C1C}">
-                <a14:useLocalDpi xmlns:a14="http://schemas.microsoft.com/office/drawing/2010/main" val="0"/>
+                <a14:useLocalDpi xmlns:a14="http://schemas.microsoft.com/office/drawing/2010/main" xmlns="" val="0"/>
               </a:ext>
             </a:extLst>
           </a:blip>
@@ -4435,7 +4508,7 @@
     </p:spTree>
     <p:extLst>
       <p:ext uri="{BB962C8B-B14F-4D97-AF65-F5344CB8AC3E}">
-        <p14:creationId xmlns:p14="http://schemas.microsoft.com/office/powerpoint/2010/main" val="2572030249"/>
+        <p14:creationId xmlns:p14="http://schemas.microsoft.com/office/powerpoint/2010/main" xmlns="" val="2572030249"/>
       </p:ext>
     </p:extLst>
   </p:cSld>
@@ -4445,7 +4518,7 @@
   <p:timing>
     <p:tnLst>
       <p:par>
-        <p:cTn xmlns:p14="http://schemas.microsoft.com/office/powerpoint/2010/main" id="1" dur="indefinite" restart="never" nodeType="tmRoot"/>
+        <p:cTn id="1" dur="indefinite" restart="never" nodeType="tmRoot"/>
       </p:par>
     </p:tnLst>
   </p:timing>
@@ -4477,7 +4550,7 @@
         </p:nvSpPr>
         <p:spPr>
           <a:xfrm>
-            <a:off x="114300" y="37771"/>
+            <a:off x="113013" y="52002"/>
             <a:ext cx="8267700" cy="505267"/>
           </a:xfrm>
           <a:prstGeom prst="rect">
@@ -4546,14 +4619,24 @@
               <a:t> </a:t>
             </a:r>
             <a:r>
-              <a:rPr sz="3200" spc="-5" dirty="0">
+              <a:rPr sz="3200" spc="-5" dirty="0" smtClean="0">
                 <a:solidFill>
                   <a:srgbClr val="000000"/>
                 </a:solidFill>
                 <a:latin typeface="Arial"/>
                 <a:cs typeface="Arial"/>
               </a:rPr>
-              <a:t>2017</a:t>
+              <a:t>201</a:t>
+            </a:r>
+            <a:r>
+              <a:rPr lang="pt-BR" sz="3200" spc="-5" dirty="0" smtClean="0">
+                <a:solidFill>
+                  <a:srgbClr val="000000"/>
+                </a:solidFill>
+                <a:latin typeface="Arial"/>
+                <a:cs typeface="Arial"/>
+              </a:rPr>
+              <a:t>6</a:t>
             </a:r>
             <a:endParaRPr sz="3200" dirty="0">
               <a:solidFill>
@@ -4567,7 +4650,7 @@
       </p:sp>
       <p:pic>
         <p:nvPicPr>
-          <p:cNvPr id="2" name="Picture 1" descr="HypeCycle2017.png"/>
+          <p:cNvPr id="2" name="Picture 1" descr="HypeCycle2016.png"/>
           <p:cNvPicPr>
             <a:picLocks noChangeAspect="1"/>
           </p:cNvPicPr>
@@ -4577,7 +4660,7 @@
           <a:blip r:embed="rId2">
             <a:extLst>
               <a:ext uri="{28A0092B-C50C-407E-A947-70E740481C1C}">
-                <a14:useLocalDpi xmlns:a14="http://schemas.microsoft.com/office/drawing/2010/main" val="0"/>
+                <a14:useLocalDpi xmlns:a14="http://schemas.microsoft.com/office/drawing/2010/main" xmlns="" val="0"/>
               </a:ext>
             </a:extLst>
           </a:blip>
@@ -4587,8 +4670,8 @@
         </p:blipFill>
         <p:spPr>
           <a:xfrm>
-            <a:off x="0" y="543037"/>
-            <a:ext cx="6705600" cy="5158153"/>
+            <a:off x="0" y="659718"/>
+            <a:ext cx="7747000" cy="5032578"/>
           </a:xfrm>
           <a:prstGeom prst="rect">
             <a:avLst/>
@@ -4598,7 +4681,7 @@
     </p:spTree>
     <p:extLst>
       <p:ext uri="{BB962C8B-B14F-4D97-AF65-F5344CB8AC3E}">
-        <p14:creationId xmlns:p14="http://schemas.microsoft.com/office/powerpoint/2010/main" val="3336721156"/>
+        <p14:creationId xmlns:p14="http://schemas.microsoft.com/office/powerpoint/2010/main" xmlns="" val="3549134621"/>
       </p:ext>
     </p:extLst>
   </p:cSld>
@@ -4608,7 +4691,7 @@
   <p:timing>
     <p:tnLst>
       <p:par>
-        <p:cTn xmlns:p14="http://schemas.microsoft.com/office/powerpoint/2010/main" id="1" dur="indefinite" restart="never" nodeType="tmRoot"/>
+        <p:cTn id="1" dur="indefinite" restart="never" nodeType="tmRoot"/>
       </p:par>
     </p:tnLst>
   </p:timing>
@@ -4640,7 +4723,7 @@
         </p:nvSpPr>
         <p:spPr>
           <a:xfrm>
-            <a:off x="113013" y="52002"/>
+            <a:off x="114300" y="37771"/>
             <a:ext cx="8267700" cy="505267"/>
           </a:xfrm>
           <a:prstGeom prst="rect">
@@ -4709,24 +4792,14 @@
               <a:t> </a:t>
             </a:r>
             <a:r>
-              <a:rPr sz="3200" spc="-5" dirty="0" smtClean="0">
+              <a:rPr sz="3200" spc="-5" dirty="0">
                 <a:solidFill>
                   <a:srgbClr val="000000"/>
                 </a:solidFill>
                 <a:latin typeface="Arial"/>
                 <a:cs typeface="Arial"/>
               </a:rPr>
-              <a:t>201</a:t>
-            </a:r>
-            <a:r>
-              <a:rPr lang="pt-BR" sz="3200" spc="-5" dirty="0" smtClean="0">
-                <a:solidFill>
-                  <a:srgbClr val="000000"/>
-                </a:solidFill>
-                <a:latin typeface="Arial"/>
-                <a:cs typeface="Arial"/>
-              </a:rPr>
-              <a:t>6</a:t>
+              <a:t>2017</a:t>
             </a:r>
             <a:endParaRPr sz="3200" dirty="0">
               <a:solidFill>
@@ -4740,7 +4813,7 @@
       </p:sp>
       <p:pic>
         <p:nvPicPr>
-          <p:cNvPr id="2" name="Picture 1" descr="HypeCycle2016.png"/>
+          <p:cNvPr id="2" name="Picture 1" descr="HypeCycle2017.png"/>
           <p:cNvPicPr>
             <a:picLocks noChangeAspect="1"/>
           </p:cNvPicPr>
@@ -4750,7 +4823,7 @@
           <a:blip r:embed="rId2">
             <a:extLst>
               <a:ext uri="{28A0092B-C50C-407E-A947-70E740481C1C}">
-                <a14:useLocalDpi xmlns:a14="http://schemas.microsoft.com/office/drawing/2010/main" val="0"/>
+                <a14:useLocalDpi xmlns:a14="http://schemas.microsoft.com/office/drawing/2010/main" xmlns="" val="0"/>
               </a:ext>
             </a:extLst>
           </a:blip>
@@ -4760,8 +4833,8 @@
         </p:blipFill>
         <p:spPr>
           <a:xfrm>
-            <a:off x="0" y="659718"/>
-            <a:ext cx="7747000" cy="5032578"/>
+            <a:off x="0" y="543037"/>
+            <a:ext cx="6705600" cy="5158153"/>
           </a:xfrm>
           <a:prstGeom prst="rect">
             <a:avLst/>
@@ -4771,7 +4844,7 @@
     </p:spTree>
     <p:extLst>
       <p:ext uri="{BB962C8B-B14F-4D97-AF65-F5344CB8AC3E}">
-        <p14:creationId xmlns:p14="http://schemas.microsoft.com/office/powerpoint/2010/main" val="3549134621"/>
+        <p14:creationId xmlns:p14="http://schemas.microsoft.com/office/powerpoint/2010/main" xmlns="" val="3336721156"/>
       </p:ext>
     </p:extLst>
   </p:cSld>
@@ -4781,7 +4854,7 @@
   <p:timing>
     <p:tnLst>
       <p:par>
-        <p:cTn xmlns:p14="http://schemas.microsoft.com/office/powerpoint/2010/main" id="1" dur="indefinite" restart="never" nodeType="tmRoot"/>
+        <p:cTn id="1" dur="indefinite" restart="never" nodeType="tmRoot"/>
       </p:par>
     </p:tnLst>
   </p:timing>
